--- a/ppt 16-9/1141.快快从这城逃.pptx
+++ b/ppt 16-9/1141.快快从这城逃.pptx
@@ -129,7 +129,7 @@
           <p:cNvPr id="2" name="标题 1">
             <a:extLst>
               <a:ext uri="{FF2B5EF4-FFF2-40B4-BE49-F238E27FC236}">
-                <a16:creationId xmlns:a16="http://schemas.microsoft.com/office/drawing/2014/main" id="{429224AA-4A40-B27C-8C13-99AB84CE2FC6}"/>
+                <a16:creationId xmlns:a16="http://schemas.microsoft.com/office/drawing/2014/main" id="{2DB531DC-4767-F0BA-BD5F-42F4F9DFD71B}"/>
               </a:ext>
             </a:extLst>
           </p:cNvPr>
@@ -166,7 +166,7 @@
           <p:cNvPr id="3" name="副标题 2">
             <a:extLst>
               <a:ext uri="{FF2B5EF4-FFF2-40B4-BE49-F238E27FC236}">
-                <a16:creationId xmlns:a16="http://schemas.microsoft.com/office/drawing/2014/main" id="{C37ACB96-989C-1229-476E-25D46805D86C}"/>
+                <a16:creationId xmlns:a16="http://schemas.microsoft.com/office/drawing/2014/main" id="{64883107-8340-6102-79EE-903159EFD6E1}"/>
               </a:ext>
             </a:extLst>
           </p:cNvPr>
@@ -236,7 +236,7 @@
           <p:cNvPr id="4" name="日期占位符 3">
             <a:extLst>
               <a:ext uri="{FF2B5EF4-FFF2-40B4-BE49-F238E27FC236}">
-                <a16:creationId xmlns:a16="http://schemas.microsoft.com/office/drawing/2014/main" id="{E11AEFA2-446A-6592-60AC-17A69137AED7}"/>
+                <a16:creationId xmlns:a16="http://schemas.microsoft.com/office/drawing/2014/main" id="{FB8ABDEA-552F-5421-ECB7-5E6AD6528343}"/>
               </a:ext>
             </a:extLst>
           </p:cNvPr>
@@ -252,7 +252,7 @@
           <a:bodyPr/>
           <a:lstStyle/>
           <a:p>
-            <a:fld id="{372FF25C-5AE1-472B-AD06-B065FB9B5450}" type="datetimeFigureOut">
+            <a:fld id="{727D6D34-F15F-4CC6-9936-E3344465F318}" type="datetimeFigureOut">
               <a:rPr lang="zh-CN" altLang="en-US" smtClean="0"/>
               <a:t>2024/3/10</a:t>
             </a:fld>
@@ -265,7 +265,7 @@
           <p:cNvPr id="5" name="页脚占位符 4">
             <a:extLst>
               <a:ext uri="{FF2B5EF4-FFF2-40B4-BE49-F238E27FC236}">
-                <a16:creationId xmlns:a16="http://schemas.microsoft.com/office/drawing/2014/main" id="{9548ED10-C141-DD95-31CA-78F88C5BB199}"/>
+                <a16:creationId xmlns:a16="http://schemas.microsoft.com/office/drawing/2014/main" id="{0F4A7075-8A25-6A75-741D-41021E0D26DF}"/>
               </a:ext>
             </a:extLst>
           </p:cNvPr>
@@ -290,7 +290,7 @@
           <p:cNvPr id="6" name="灯片编号占位符 5">
             <a:extLst>
               <a:ext uri="{FF2B5EF4-FFF2-40B4-BE49-F238E27FC236}">
-                <a16:creationId xmlns:a16="http://schemas.microsoft.com/office/drawing/2014/main" id="{B37B7DE9-9C82-EAC2-6A4C-BA880F5FAEFB}"/>
+                <a16:creationId xmlns:a16="http://schemas.microsoft.com/office/drawing/2014/main" id="{982395B5-DFF3-5EBA-B943-8177FC833371}"/>
               </a:ext>
             </a:extLst>
           </p:cNvPr>
@@ -306,7 +306,7 @@
           <a:bodyPr/>
           <a:lstStyle/>
           <a:p>
-            <a:fld id="{5FCE42F9-9305-4122-AEA8-F2F897178AB8}" type="slidenum">
+            <a:fld id="{3E874100-5258-4A2F-89F2-D3F85E077811}" type="slidenum">
               <a:rPr lang="zh-CN" altLang="en-US" smtClean="0"/>
               <a:t>‹#›</a:t>
             </a:fld>
@@ -317,7 +317,7 @@
     </p:spTree>
     <p:extLst>
       <p:ext uri="{BB962C8B-B14F-4D97-AF65-F5344CB8AC3E}">
-        <p14:creationId xmlns:p14="http://schemas.microsoft.com/office/powerpoint/2010/main" val="398938867"/>
+        <p14:creationId xmlns:p14="http://schemas.microsoft.com/office/powerpoint/2010/main" val="2506370092"/>
       </p:ext>
     </p:extLst>
   </p:cSld>
@@ -349,7 +349,7 @@
           <p:cNvPr id="2" name="标题 1">
             <a:extLst>
               <a:ext uri="{FF2B5EF4-FFF2-40B4-BE49-F238E27FC236}">
-                <a16:creationId xmlns:a16="http://schemas.microsoft.com/office/drawing/2014/main" id="{BFD77242-86AD-60C1-4BA9-AD1DE1958EF5}"/>
+                <a16:creationId xmlns:a16="http://schemas.microsoft.com/office/drawing/2014/main" id="{E827A439-2ABE-375F-CFF1-8C06B962F9B7}"/>
               </a:ext>
             </a:extLst>
           </p:cNvPr>
@@ -377,7 +377,7 @@
           <p:cNvPr id="3" name="竖排文字占位符 2">
             <a:extLst>
               <a:ext uri="{FF2B5EF4-FFF2-40B4-BE49-F238E27FC236}">
-                <a16:creationId xmlns:a16="http://schemas.microsoft.com/office/drawing/2014/main" id="{AFC45170-EE77-116F-6A26-95C060E2C0DC}"/>
+                <a16:creationId xmlns:a16="http://schemas.microsoft.com/office/drawing/2014/main" id="{A1A2E66D-6588-617F-3837-D47AA4A6E6E1}"/>
               </a:ext>
             </a:extLst>
           </p:cNvPr>
@@ -434,7 +434,7 @@
           <p:cNvPr id="4" name="日期占位符 3">
             <a:extLst>
               <a:ext uri="{FF2B5EF4-FFF2-40B4-BE49-F238E27FC236}">
-                <a16:creationId xmlns:a16="http://schemas.microsoft.com/office/drawing/2014/main" id="{CB706CCB-F02F-F17F-1D3D-D8229637C2D5}"/>
+                <a16:creationId xmlns:a16="http://schemas.microsoft.com/office/drawing/2014/main" id="{A7481B4D-A59B-BF7B-B12F-753A3D7A0770}"/>
               </a:ext>
             </a:extLst>
           </p:cNvPr>
@@ -450,7 +450,7 @@
           <a:bodyPr/>
           <a:lstStyle/>
           <a:p>
-            <a:fld id="{372FF25C-5AE1-472B-AD06-B065FB9B5450}" type="datetimeFigureOut">
+            <a:fld id="{727D6D34-F15F-4CC6-9936-E3344465F318}" type="datetimeFigureOut">
               <a:rPr lang="zh-CN" altLang="en-US" smtClean="0"/>
               <a:t>2024/3/10</a:t>
             </a:fld>
@@ -463,7 +463,7 @@
           <p:cNvPr id="5" name="页脚占位符 4">
             <a:extLst>
               <a:ext uri="{FF2B5EF4-FFF2-40B4-BE49-F238E27FC236}">
-                <a16:creationId xmlns:a16="http://schemas.microsoft.com/office/drawing/2014/main" id="{D623E4FC-D1BE-213E-40BC-8967DC1BE552}"/>
+                <a16:creationId xmlns:a16="http://schemas.microsoft.com/office/drawing/2014/main" id="{1485DA04-7856-5021-641F-10A6BB70E3D3}"/>
               </a:ext>
             </a:extLst>
           </p:cNvPr>
@@ -488,7 +488,7 @@
           <p:cNvPr id="6" name="灯片编号占位符 5">
             <a:extLst>
               <a:ext uri="{FF2B5EF4-FFF2-40B4-BE49-F238E27FC236}">
-                <a16:creationId xmlns:a16="http://schemas.microsoft.com/office/drawing/2014/main" id="{FE60B23A-6119-63B8-03B5-A436088A6955}"/>
+                <a16:creationId xmlns:a16="http://schemas.microsoft.com/office/drawing/2014/main" id="{DBDA7F24-DA6B-CCC7-C24A-72F60CC70029}"/>
               </a:ext>
             </a:extLst>
           </p:cNvPr>
@@ -504,7 +504,7 @@
           <a:bodyPr/>
           <a:lstStyle/>
           <a:p>
-            <a:fld id="{5FCE42F9-9305-4122-AEA8-F2F897178AB8}" type="slidenum">
+            <a:fld id="{3E874100-5258-4A2F-89F2-D3F85E077811}" type="slidenum">
               <a:rPr lang="zh-CN" altLang="en-US" smtClean="0"/>
               <a:t>‹#›</a:t>
             </a:fld>
@@ -515,7 +515,7 @@
     </p:spTree>
     <p:extLst>
       <p:ext uri="{BB962C8B-B14F-4D97-AF65-F5344CB8AC3E}">
-        <p14:creationId xmlns:p14="http://schemas.microsoft.com/office/powerpoint/2010/main" val="2011962792"/>
+        <p14:creationId xmlns:p14="http://schemas.microsoft.com/office/powerpoint/2010/main" val="2714248545"/>
       </p:ext>
     </p:extLst>
   </p:cSld>
@@ -547,7 +547,7 @@
           <p:cNvPr id="2" name="竖排标题 1">
             <a:extLst>
               <a:ext uri="{FF2B5EF4-FFF2-40B4-BE49-F238E27FC236}">
-                <a16:creationId xmlns:a16="http://schemas.microsoft.com/office/drawing/2014/main" id="{83E3D8CF-D617-1103-D407-35390C79B235}"/>
+                <a16:creationId xmlns:a16="http://schemas.microsoft.com/office/drawing/2014/main" id="{5254A1FE-BBF7-05A0-3E09-1B0A2F8B7CB3}"/>
               </a:ext>
             </a:extLst>
           </p:cNvPr>
@@ -580,7 +580,7 @@
           <p:cNvPr id="3" name="竖排文字占位符 2">
             <a:extLst>
               <a:ext uri="{FF2B5EF4-FFF2-40B4-BE49-F238E27FC236}">
-                <a16:creationId xmlns:a16="http://schemas.microsoft.com/office/drawing/2014/main" id="{B852FEBC-60A0-0B7B-E5E7-0093169E3AF7}"/>
+                <a16:creationId xmlns:a16="http://schemas.microsoft.com/office/drawing/2014/main" id="{02BDE940-ED28-F1C5-F2E0-7997F4829F38}"/>
               </a:ext>
             </a:extLst>
           </p:cNvPr>
@@ -642,7 +642,7 @@
           <p:cNvPr id="4" name="日期占位符 3">
             <a:extLst>
               <a:ext uri="{FF2B5EF4-FFF2-40B4-BE49-F238E27FC236}">
-                <a16:creationId xmlns:a16="http://schemas.microsoft.com/office/drawing/2014/main" id="{D30EE37B-5497-7C6B-B230-DE50BF5BB37E}"/>
+                <a16:creationId xmlns:a16="http://schemas.microsoft.com/office/drawing/2014/main" id="{8808DD83-9146-AB3E-8080-FE1189D208A2}"/>
               </a:ext>
             </a:extLst>
           </p:cNvPr>
@@ -658,7 +658,7 @@
           <a:bodyPr/>
           <a:lstStyle/>
           <a:p>
-            <a:fld id="{372FF25C-5AE1-472B-AD06-B065FB9B5450}" type="datetimeFigureOut">
+            <a:fld id="{727D6D34-F15F-4CC6-9936-E3344465F318}" type="datetimeFigureOut">
               <a:rPr lang="zh-CN" altLang="en-US" smtClean="0"/>
               <a:t>2024/3/10</a:t>
             </a:fld>
@@ -671,7 +671,7 @@
           <p:cNvPr id="5" name="页脚占位符 4">
             <a:extLst>
               <a:ext uri="{FF2B5EF4-FFF2-40B4-BE49-F238E27FC236}">
-                <a16:creationId xmlns:a16="http://schemas.microsoft.com/office/drawing/2014/main" id="{39EA9C69-D48E-A223-13BF-619B06948830}"/>
+                <a16:creationId xmlns:a16="http://schemas.microsoft.com/office/drawing/2014/main" id="{E0EAC6C8-3A19-97BA-A9FF-32C4074CD174}"/>
               </a:ext>
             </a:extLst>
           </p:cNvPr>
@@ -696,7 +696,7 @@
           <p:cNvPr id="6" name="灯片编号占位符 5">
             <a:extLst>
               <a:ext uri="{FF2B5EF4-FFF2-40B4-BE49-F238E27FC236}">
-                <a16:creationId xmlns:a16="http://schemas.microsoft.com/office/drawing/2014/main" id="{510DD19E-CB68-29F4-F78A-36D17987D3A0}"/>
+                <a16:creationId xmlns:a16="http://schemas.microsoft.com/office/drawing/2014/main" id="{61121FFF-37A9-B82E-B0A5-46E06B5A4690}"/>
               </a:ext>
             </a:extLst>
           </p:cNvPr>
@@ -712,7 +712,7 @@
           <a:bodyPr/>
           <a:lstStyle/>
           <a:p>
-            <a:fld id="{5FCE42F9-9305-4122-AEA8-F2F897178AB8}" type="slidenum">
+            <a:fld id="{3E874100-5258-4A2F-89F2-D3F85E077811}" type="slidenum">
               <a:rPr lang="zh-CN" altLang="en-US" smtClean="0"/>
               <a:t>‹#›</a:t>
             </a:fld>
@@ -723,7 +723,7 @@
     </p:spTree>
     <p:extLst>
       <p:ext uri="{BB962C8B-B14F-4D97-AF65-F5344CB8AC3E}">
-        <p14:creationId xmlns:p14="http://schemas.microsoft.com/office/powerpoint/2010/main" val="3521063647"/>
+        <p14:creationId xmlns:p14="http://schemas.microsoft.com/office/powerpoint/2010/main" val="3480235702"/>
       </p:ext>
     </p:extLst>
   </p:cSld>
@@ -755,7 +755,7 @@
           <p:cNvPr id="2" name="标题 1">
             <a:extLst>
               <a:ext uri="{FF2B5EF4-FFF2-40B4-BE49-F238E27FC236}">
-                <a16:creationId xmlns:a16="http://schemas.microsoft.com/office/drawing/2014/main" id="{40FB1EF6-19A6-616C-6BFD-96CCD8467EB8}"/>
+                <a16:creationId xmlns:a16="http://schemas.microsoft.com/office/drawing/2014/main" id="{D85F8DEB-F148-EDE5-647C-6865EDB91299}"/>
               </a:ext>
             </a:extLst>
           </p:cNvPr>
@@ -783,7 +783,7 @@
           <p:cNvPr id="3" name="内容占位符 2">
             <a:extLst>
               <a:ext uri="{FF2B5EF4-FFF2-40B4-BE49-F238E27FC236}">
-                <a16:creationId xmlns:a16="http://schemas.microsoft.com/office/drawing/2014/main" id="{D87E1B2B-64E0-C6B5-FE67-08FEDE559998}"/>
+                <a16:creationId xmlns:a16="http://schemas.microsoft.com/office/drawing/2014/main" id="{EB8E10ED-DCDE-ECFF-69B3-FC60944D5F4D}"/>
               </a:ext>
             </a:extLst>
           </p:cNvPr>
@@ -840,7 +840,7 @@
           <p:cNvPr id="4" name="日期占位符 3">
             <a:extLst>
               <a:ext uri="{FF2B5EF4-FFF2-40B4-BE49-F238E27FC236}">
-                <a16:creationId xmlns:a16="http://schemas.microsoft.com/office/drawing/2014/main" id="{407992F4-3DC7-9B92-6A63-7106DC09841E}"/>
+                <a16:creationId xmlns:a16="http://schemas.microsoft.com/office/drawing/2014/main" id="{94C409A8-284D-3F2C-C931-904857477C39}"/>
               </a:ext>
             </a:extLst>
           </p:cNvPr>
@@ -856,7 +856,7 @@
           <a:bodyPr/>
           <a:lstStyle/>
           <a:p>
-            <a:fld id="{372FF25C-5AE1-472B-AD06-B065FB9B5450}" type="datetimeFigureOut">
+            <a:fld id="{727D6D34-F15F-4CC6-9936-E3344465F318}" type="datetimeFigureOut">
               <a:rPr lang="zh-CN" altLang="en-US" smtClean="0"/>
               <a:t>2024/3/10</a:t>
             </a:fld>
@@ -869,7 +869,7 @@
           <p:cNvPr id="5" name="页脚占位符 4">
             <a:extLst>
               <a:ext uri="{FF2B5EF4-FFF2-40B4-BE49-F238E27FC236}">
-                <a16:creationId xmlns:a16="http://schemas.microsoft.com/office/drawing/2014/main" id="{08B8C855-E17E-9F8F-5FAD-8ABCC56D52A5}"/>
+                <a16:creationId xmlns:a16="http://schemas.microsoft.com/office/drawing/2014/main" id="{3F59ABC0-B95A-D772-46AF-685026E0B911}"/>
               </a:ext>
             </a:extLst>
           </p:cNvPr>
@@ -894,7 +894,7 @@
           <p:cNvPr id="6" name="灯片编号占位符 5">
             <a:extLst>
               <a:ext uri="{FF2B5EF4-FFF2-40B4-BE49-F238E27FC236}">
-                <a16:creationId xmlns:a16="http://schemas.microsoft.com/office/drawing/2014/main" id="{4E90DCD2-66E4-569A-1FC3-B89CE0B07A51}"/>
+                <a16:creationId xmlns:a16="http://schemas.microsoft.com/office/drawing/2014/main" id="{10C8E994-29DE-64D6-F68C-F62408D257FA}"/>
               </a:ext>
             </a:extLst>
           </p:cNvPr>
@@ -910,7 +910,7 @@
           <a:bodyPr/>
           <a:lstStyle/>
           <a:p>
-            <a:fld id="{5FCE42F9-9305-4122-AEA8-F2F897178AB8}" type="slidenum">
+            <a:fld id="{3E874100-5258-4A2F-89F2-D3F85E077811}" type="slidenum">
               <a:rPr lang="zh-CN" altLang="en-US" smtClean="0"/>
               <a:t>‹#›</a:t>
             </a:fld>
@@ -921,7 +921,7 @@
     </p:spTree>
     <p:extLst>
       <p:ext uri="{BB962C8B-B14F-4D97-AF65-F5344CB8AC3E}">
-        <p14:creationId xmlns:p14="http://schemas.microsoft.com/office/powerpoint/2010/main" val="397420558"/>
+        <p14:creationId xmlns:p14="http://schemas.microsoft.com/office/powerpoint/2010/main" val="3111333191"/>
       </p:ext>
     </p:extLst>
   </p:cSld>
@@ -953,7 +953,7 @@
           <p:cNvPr id="2" name="标题 1">
             <a:extLst>
               <a:ext uri="{FF2B5EF4-FFF2-40B4-BE49-F238E27FC236}">
-                <a16:creationId xmlns:a16="http://schemas.microsoft.com/office/drawing/2014/main" id="{19007829-6A53-6F1C-B76A-CFD32D642CAE}"/>
+                <a16:creationId xmlns:a16="http://schemas.microsoft.com/office/drawing/2014/main" id="{2612E1EF-EF4C-4E20-A390-FA162EFA681C}"/>
               </a:ext>
             </a:extLst>
           </p:cNvPr>
@@ -990,7 +990,7 @@
           <p:cNvPr id="3" name="文本占位符 2">
             <a:extLst>
               <a:ext uri="{FF2B5EF4-FFF2-40B4-BE49-F238E27FC236}">
-                <a16:creationId xmlns:a16="http://schemas.microsoft.com/office/drawing/2014/main" id="{839EAAE0-3CE5-F2B9-45EE-7283AAA616C6}"/>
+                <a16:creationId xmlns:a16="http://schemas.microsoft.com/office/drawing/2014/main" id="{435379FD-5617-F441-9DD4-84D335F684F3}"/>
               </a:ext>
             </a:extLst>
           </p:cNvPr>
@@ -1115,7 +1115,7 @@
           <p:cNvPr id="4" name="日期占位符 3">
             <a:extLst>
               <a:ext uri="{FF2B5EF4-FFF2-40B4-BE49-F238E27FC236}">
-                <a16:creationId xmlns:a16="http://schemas.microsoft.com/office/drawing/2014/main" id="{F89E7ADC-CD35-FD8E-3938-15F893469B68}"/>
+                <a16:creationId xmlns:a16="http://schemas.microsoft.com/office/drawing/2014/main" id="{84A3476B-0156-CE3F-5E90-BFBCB8161A2B}"/>
               </a:ext>
             </a:extLst>
           </p:cNvPr>
@@ -1131,7 +1131,7 @@
           <a:bodyPr/>
           <a:lstStyle/>
           <a:p>
-            <a:fld id="{372FF25C-5AE1-472B-AD06-B065FB9B5450}" type="datetimeFigureOut">
+            <a:fld id="{727D6D34-F15F-4CC6-9936-E3344465F318}" type="datetimeFigureOut">
               <a:rPr lang="zh-CN" altLang="en-US" smtClean="0"/>
               <a:t>2024/3/10</a:t>
             </a:fld>
@@ -1144,7 +1144,7 @@
           <p:cNvPr id="5" name="页脚占位符 4">
             <a:extLst>
               <a:ext uri="{FF2B5EF4-FFF2-40B4-BE49-F238E27FC236}">
-                <a16:creationId xmlns:a16="http://schemas.microsoft.com/office/drawing/2014/main" id="{32A9C8F7-677D-8F7F-B20F-7022CE7B0415}"/>
+                <a16:creationId xmlns:a16="http://schemas.microsoft.com/office/drawing/2014/main" id="{FB3E4E27-79CB-5C1B-C099-3E6FD1D33B4C}"/>
               </a:ext>
             </a:extLst>
           </p:cNvPr>
@@ -1169,7 +1169,7 @@
           <p:cNvPr id="6" name="灯片编号占位符 5">
             <a:extLst>
               <a:ext uri="{FF2B5EF4-FFF2-40B4-BE49-F238E27FC236}">
-                <a16:creationId xmlns:a16="http://schemas.microsoft.com/office/drawing/2014/main" id="{02159E95-EC3B-1D77-4269-406A401AF7BB}"/>
+                <a16:creationId xmlns:a16="http://schemas.microsoft.com/office/drawing/2014/main" id="{8B4E2191-0477-7148-8A60-34219E9F7EB0}"/>
               </a:ext>
             </a:extLst>
           </p:cNvPr>
@@ -1185,7 +1185,7 @@
           <a:bodyPr/>
           <a:lstStyle/>
           <a:p>
-            <a:fld id="{5FCE42F9-9305-4122-AEA8-F2F897178AB8}" type="slidenum">
+            <a:fld id="{3E874100-5258-4A2F-89F2-D3F85E077811}" type="slidenum">
               <a:rPr lang="zh-CN" altLang="en-US" smtClean="0"/>
               <a:t>‹#›</a:t>
             </a:fld>
@@ -1196,7 +1196,7 @@
     </p:spTree>
     <p:extLst>
       <p:ext uri="{BB962C8B-B14F-4D97-AF65-F5344CB8AC3E}">
-        <p14:creationId xmlns:p14="http://schemas.microsoft.com/office/powerpoint/2010/main" val="299660280"/>
+        <p14:creationId xmlns:p14="http://schemas.microsoft.com/office/powerpoint/2010/main" val="3361074330"/>
       </p:ext>
     </p:extLst>
   </p:cSld>
@@ -1228,7 +1228,7 @@
           <p:cNvPr id="2" name="标题 1">
             <a:extLst>
               <a:ext uri="{FF2B5EF4-FFF2-40B4-BE49-F238E27FC236}">
-                <a16:creationId xmlns:a16="http://schemas.microsoft.com/office/drawing/2014/main" id="{B3C2911C-70D7-C054-D421-EB4A287F5910}"/>
+                <a16:creationId xmlns:a16="http://schemas.microsoft.com/office/drawing/2014/main" id="{BEAE0965-6503-2390-35A3-C561330C08D7}"/>
               </a:ext>
             </a:extLst>
           </p:cNvPr>
@@ -1256,7 +1256,7 @@
           <p:cNvPr id="3" name="内容占位符 2">
             <a:extLst>
               <a:ext uri="{FF2B5EF4-FFF2-40B4-BE49-F238E27FC236}">
-                <a16:creationId xmlns:a16="http://schemas.microsoft.com/office/drawing/2014/main" id="{E3777982-CEEB-578D-5339-22C739CC1982}"/>
+                <a16:creationId xmlns:a16="http://schemas.microsoft.com/office/drawing/2014/main" id="{E7E93C11-AEA7-9149-49DE-2CE8081AC4FC}"/>
               </a:ext>
             </a:extLst>
           </p:cNvPr>
@@ -1318,7 +1318,7 @@
           <p:cNvPr id="4" name="内容占位符 3">
             <a:extLst>
               <a:ext uri="{FF2B5EF4-FFF2-40B4-BE49-F238E27FC236}">
-                <a16:creationId xmlns:a16="http://schemas.microsoft.com/office/drawing/2014/main" id="{ECE19C6D-D27A-BC6E-FA8C-6590F7B935BD}"/>
+                <a16:creationId xmlns:a16="http://schemas.microsoft.com/office/drawing/2014/main" id="{63991CD4-C283-FD2C-B700-080A136F9F32}"/>
               </a:ext>
             </a:extLst>
           </p:cNvPr>
@@ -1380,7 +1380,7 @@
           <p:cNvPr id="5" name="日期占位符 4">
             <a:extLst>
               <a:ext uri="{FF2B5EF4-FFF2-40B4-BE49-F238E27FC236}">
-                <a16:creationId xmlns:a16="http://schemas.microsoft.com/office/drawing/2014/main" id="{5486D14F-D7DC-E0E3-AFA2-1B5B2223D28A}"/>
+                <a16:creationId xmlns:a16="http://schemas.microsoft.com/office/drawing/2014/main" id="{508A448D-5A66-555A-D789-CFB7C34B9C5E}"/>
               </a:ext>
             </a:extLst>
           </p:cNvPr>
@@ -1396,7 +1396,7 @@
           <a:bodyPr/>
           <a:lstStyle/>
           <a:p>
-            <a:fld id="{372FF25C-5AE1-472B-AD06-B065FB9B5450}" type="datetimeFigureOut">
+            <a:fld id="{727D6D34-F15F-4CC6-9936-E3344465F318}" type="datetimeFigureOut">
               <a:rPr lang="zh-CN" altLang="en-US" smtClean="0"/>
               <a:t>2024/3/10</a:t>
             </a:fld>
@@ -1409,7 +1409,7 @@
           <p:cNvPr id="6" name="页脚占位符 5">
             <a:extLst>
               <a:ext uri="{FF2B5EF4-FFF2-40B4-BE49-F238E27FC236}">
-                <a16:creationId xmlns:a16="http://schemas.microsoft.com/office/drawing/2014/main" id="{FA8CB24B-6DA6-F30A-811D-F6CB2AA87AA9}"/>
+                <a16:creationId xmlns:a16="http://schemas.microsoft.com/office/drawing/2014/main" id="{A0E846B8-763D-784A-C77E-3C98D2A4518B}"/>
               </a:ext>
             </a:extLst>
           </p:cNvPr>
@@ -1434,7 +1434,7 @@
           <p:cNvPr id="7" name="灯片编号占位符 6">
             <a:extLst>
               <a:ext uri="{FF2B5EF4-FFF2-40B4-BE49-F238E27FC236}">
-                <a16:creationId xmlns:a16="http://schemas.microsoft.com/office/drawing/2014/main" id="{15E09CCB-3F8F-96C2-4BB0-416BA74D163C}"/>
+                <a16:creationId xmlns:a16="http://schemas.microsoft.com/office/drawing/2014/main" id="{F8A9FA1F-8964-3ADD-557A-C475318792F9}"/>
               </a:ext>
             </a:extLst>
           </p:cNvPr>
@@ -1450,7 +1450,7 @@
           <a:bodyPr/>
           <a:lstStyle/>
           <a:p>
-            <a:fld id="{5FCE42F9-9305-4122-AEA8-F2F897178AB8}" type="slidenum">
+            <a:fld id="{3E874100-5258-4A2F-89F2-D3F85E077811}" type="slidenum">
               <a:rPr lang="zh-CN" altLang="en-US" smtClean="0"/>
               <a:t>‹#›</a:t>
             </a:fld>
@@ -1461,7 +1461,7 @@
     </p:spTree>
     <p:extLst>
       <p:ext uri="{BB962C8B-B14F-4D97-AF65-F5344CB8AC3E}">
-        <p14:creationId xmlns:p14="http://schemas.microsoft.com/office/powerpoint/2010/main" val="3657106016"/>
+        <p14:creationId xmlns:p14="http://schemas.microsoft.com/office/powerpoint/2010/main" val="1503970009"/>
       </p:ext>
     </p:extLst>
   </p:cSld>
@@ -1493,7 +1493,7 @@
           <p:cNvPr id="2" name="标题 1">
             <a:extLst>
               <a:ext uri="{FF2B5EF4-FFF2-40B4-BE49-F238E27FC236}">
-                <a16:creationId xmlns:a16="http://schemas.microsoft.com/office/drawing/2014/main" id="{D80F78FC-A80D-5FED-58DE-E6A36DD9A13B}"/>
+                <a16:creationId xmlns:a16="http://schemas.microsoft.com/office/drawing/2014/main" id="{7473F889-01DD-FCD4-A569-FB7860795E23}"/>
               </a:ext>
             </a:extLst>
           </p:cNvPr>
@@ -1526,7 +1526,7 @@
           <p:cNvPr id="3" name="文本占位符 2">
             <a:extLst>
               <a:ext uri="{FF2B5EF4-FFF2-40B4-BE49-F238E27FC236}">
-                <a16:creationId xmlns:a16="http://schemas.microsoft.com/office/drawing/2014/main" id="{29E9D6D9-2D3A-78EE-EB33-65648E8E0284}"/>
+                <a16:creationId xmlns:a16="http://schemas.microsoft.com/office/drawing/2014/main" id="{970E4101-D73D-994A-BFDB-680731166585}"/>
               </a:ext>
             </a:extLst>
           </p:cNvPr>
@@ -1597,7 +1597,7 @@
           <p:cNvPr id="4" name="内容占位符 3">
             <a:extLst>
               <a:ext uri="{FF2B5EF4-FFF2-40B4-BE49-F238E27FC236}">
-                <a16:creationId xmlns:a16="http://schemas.microsoft.com/office/drawing/2014/main" id="{7FA8EF7D-3558-168F-D88D-BEAEE7720839}"/>
+                <a16:creationId xmlns:a16="http://schemas.microsoft.com/office/drawing/2014/main" id="{BDD10EDA-9ADF-C475-2BA9-4BCB093724CD}"/>
               </a:ext>
             </a:extLst>
           </p:cNvPr>
@@ -1659,7 +1659,7 @@
           <p:cNvPr id="5" name="文本占位符 4">
             <a:extLst>
               <a:ext uri="{FF2B5EF4-FFF2-40B4-BE49-F238E27FC236}">
-                <a16:creationId xmlns:a16="http://schemas.microsoft.com/office/drawing/2014/main" id="{31AE6404-AC21-EC81-1325-C22DD8BDA50B}"/>
+                <a16:creationId xmlns:a16="http://schemas.microsoft.com/office/drawing/2014/main" id="{5643303E-5321-1AA9-CC2D-4A10EBC5F1A6}"/>
               </a:ext>
             </a:extLst>
           </p:cNvPr>
@@ -1730,7 +1730,7 @@
           <p:cNvPr id="6" name="内容占位符 5">
             <a:extLst>
               <a:ext uri="{FF2B5EF4-FFF2-40B4-BE49-F238E27FC236}">
-                <a16:creationId xmlns:a16="http://schemas.microsoft.com/office/drawing/2014/main" id="{372C8905-EA3D-367E-0B23-67B10C628313}"/>
+                <a16:creationId xmlns:a16="http://schemas.microsoft.com/office/drawing/2014/main" id="{E1A08553-D716-84BC-1983-8D53DF3D8035}"/>
               </a:ext>
             </a:extLst>
           </p:cNvPr>
@@ -1792,7 +1792,7 @@
           <p:cNvPr id="7" name="日期占位符 6">
             <a:extLst>
               <a:ext uri="{FF2B5EF4-FFF2-40B4-BE49-F238E27FC236}">
-                <a16:creationId xmlns:a16="http://schemas.microsoft.com/office/drawing/2014/main" id="{F5899D5C-EB21-BC7F-FCEA-5F27010F80E4}"/>
+                <a16:creationId xmlns:a16="http://schemas.microsoft.com/office/drawing/2014/main" id="{F300364B-53D2-DFEE-FAB6-312FAFCA98FA}"/>
               </a:ext>
             </a:extLst>
           </p:cNvPr>
@@ -1808,7 +1808,7 @@
           <a:bodyPr/>
           <a:lstStyle/>
           <a:p>
-            <a:fld id="{372FF25C-5AE1-472B-AD06-B065FB9B5450}" type="datetimeFigureOut">
+            <a:fld id="{727D6D34-F15F-4CC6-9936-E3344465F318}" type="datetimeFigureOut">
               <a:rPr lang="zh-CN" altLang="en-US" smtClean="0"/>
               <a:t>2024/3/10</a:t>
             </a:fld>
@@ -1821,7 +1821,7 @@
           <p:cNvPr id="8" name="页脚占位符 7">
             <a:extLst>
               <a:ext uri="{FF2B5EF4-FFF2-40B4-BE49-F238E27FC236}">
-                <a16:creationId xmlns:a16="http://schemas.microsoft.com/office/drawing/2014/main" id="{D350E663-794F-1BB4-2D32-D9F940820E10}"/>
+                <a16:creationId xmlns:a16="http://schemas.microsoft.com/office/drawing/2014/main" id="{54A7DBB5-0900-10E3-6769-C7AE4D5E5B0E}"/>
               </a:ext>
             </a:extLst>
           </p:cNvPr>
@@ -1846,7 +1846,7 @@
           <p:cNvPr id="9" name="灯片编号占位符 8">
             <a:extLst>
               <a:ext uri="{FF2B5EF4-FFF2-40B4-BE49-F238E27FC236}">
-                <a16:creationId xmlns:a16="http://schemas.microsoft.com/office/drawing/2014/main" id="{77B8D25A-D74A-410E-20C6-1095E99500F9}"/>
+                <a16:creationId xmlns:a16="http://schemas.microsoft.com/office/drawing/2014/main" id="{3245679C-1DB6-152D-83A4-5F3463B20BC9}"/>
               </a:ext>
             </a:extLst>
           </p:cNvPr>
@@ -1862,7 +1862,7 @@
           <a:bodyPr/>
           <a:lstStyle/>
           <a:p>
-            <a:fld id="{5FCE42F9-9305-4122-AEA8-F2F897178AB8}" type="slidenum">
+            <a:fld id="{3E874100-5258-4A2F-89F2-D3F85E077811}" type="slidenum">
               <a:rPr lang="zh-CN" altLang="en-US" smtClean="0"/>
               <a:t>‹#›</a:t>
             </a:fld>
@@ -1873,7 +1873,7 @@
     </p:spTree>
     <p:extLst>
       <p:ext uri="{BB962C8B-B14F-4D97-AF65-F5344CB8AC3E}">
-        <p14:creationId xmlns:p14="http://schemas.microsoft.com/office/powerpoint/2010/main" val="3005505692"/>
+        <p14:creationId xmlns:p14="http://schemas.microsoft.com/office/powerpoint/2010/main" val="3170319602"/>
       </p:ext>
     </p:extLst>
   </p:cSld>
@@ -1905,7 +1905,7 @@
           <p:cNvPr id="2" name="标题 1">
             <a:extLst>
               <a:ext uri="{FF2B5EF4-FFF2-40B4-BE49-F238E27FC236}">
-                <a16:creationId xmlns:a16="http://schemas.microsoft.com/office/drawing/2014/main" id="{5A9A19A0-A676-0BA6-B7A0-D6C1ACC5CFE6}"/>
+                <a16:creationId xmlns:a16="http://schemas.microsoft.com/office/drawing/2014/main" id="{B2BB56C8-6345-BAEF-9DC9-6A0F5FEBB7E7}"/>
               </a:ext>
             </a:extLst>
           </p:cNvPr>
@@ -1933,7 +1933,7 @@
           <p:cNvPr id="3" name="日期占位符 2">
             <a:extLst>
               <a:ext uri="{FF2B5EF4-FFF2-40B4-BE49-F238E27FC236}">
-                <a16:creationId xmlns:a16="http://schemas.microsoft.com/office/drawing/2014/main" id="{B3C4F998-15DD-B887-D059-F4C167EF90EB}"/>
+                <a16:creationId xmlns:a16="http://schemas.microsoft.com/office/drawing/2014/main" id="{52F00D65-A712-EE01-57CB-E8430394E244}"/>
               </a:ext>
             </a:extLst>
           </p:cNvPr>
@@ -1949,7 +1949,7 @@
           <a:bodyPr/>
           <a:lstStyle/>
           <a:p>
-            <a:fld id="{372FF25C-5AE1-472B-AD06-B065FB9B5450}" type="datetimeFigureOut">
+            <a:fld id="{727D6D34-F15F-4CC6-9936-E3344465F318}" type="datetimeFigureOut">
               <a:rPr lang="zh-CN" altLang="en-US" smtClean="0"/>
               <a:t>2024/3/10</a:t>
             </a:fld>
@@ -1962,7 +1962,7 @@
           <p:cNvPr id="4" name="页脚占位符 3">
             <a:extLst>
               <a:ext uri="{FF2B5EF4-FFF2-40B4-BE49-F238E27FC236}">
-                <a16:creationId xmlns:a16="http://schemas.microsoft.com/office/drawing/2014/main" id="{4FCC5584-BE8C-40CB-81A8-3ADAC060B45B}"/>
+                <a16:creationId xmlns:a16="http://schemas.microsoft.com/office/drawing/2014/main" id="{545E78A7-837F-28E1-2FE6-C148E5D03103}"/>
               </a:ext>
             </a:extLst>
           </p:cNvPr>
@@ -1987,7 +1987,7 @@
           <p:cNvPr id="5" name="灯片编号占位符 4">
             <a:extLst>
               <a:ext uri="{FF2B5EF4-FFF2-40B4-BE49-F238E27FC236}">
-                <a16:creationId xmlns:a16="http://schemas.microsoft.com/office/drawing/2014/main" id="{7699E96C-E627-007F-39DE-CD59015BEA49}"/>
+                <a16:creationId xmlns:a16="http://schemas.microsoft.com/office/drawing/2014/main" id="{B6A3CB29-2710-FCE9-87FB-9206AC635411}"/>
               </a:ext>
             </a:extLst>
           </p:cNvPr>
@@ -2003,7 +2003,7 @@
           <a:bodyPr/>
           <a:lstStyle/>
           <a:p>
-            <a:fld id="{5FCE42F9-9305-4122-AEA8-F2F897178AB8}" type="slidenum">
+            <a:fld id="{3E874100-5258-4A2F-89F2-D3F85E077811}" type="slidenum">
               <a:rPr lang="zh-CN" altLang="en-US" smtClean="0"/>
               <a:t>‹#›</a:t>
             </a:fld>
@@ -2014,7 +2014,7 @@
     </p:spTree>
     <p:extLst>
       <p:ext uri="{BB962C8B-B14F-4D97-AF65-F5344CB8AC3E}">
-        <p14:creationId xmlns:p14="http://schemas.microsoft.com/office/powerpoint/2010/main" val="388854144"/>
+        <p14:creationId xmlns:p14="http://schemas.microsoft.com/office/powerpoint/2010/main" val="992755133"/>
       </p:ext>
     </p:extLst>
   </p:cSld>
@@ -2046,7 +2046,7 @@
           <p:cNvPr id="2" name="日期占位符 1">
             <a:extLst>
               <a:ext uri="{FF2B5EF4-FFF2-40B4-BE49-F238E27FC236}">
-                <a16:creationId xmlns:a16="http://schemas.microsoft.com/office/drawing/2014/main" id="{7F41AFDA-F3BF-C4C0-CFAD-D6C71D32569A}"/>
+                <a16:creationId xmlns:a16="http://schemas.microsoft.com/office/drawing/2014/main" id="{93FD21D6-8A7E-575C-11D9-42CF6D6B5B87}"/>
               </a:ext>
             </a:extLst>
           </p:cNvPr>
@@ -2062,7 +2062,7 @@
           <a:bodyPr/>
           <a:lstStyle/>
           <a:p>
-            <a:fld id="{372FF25C-5AE1-472B-AD06-B065FB9B5450}" type="datetimeFigureOut">
+            <a:fld id="{727D6D34-F15F-4CC6-9936-E3344465F318}" type="datetimeFigureOut">
               <a:rPr lang="zh-CN" altLang="en-US" smtClean="0"/>
               <a:t>2024/3/10</a:t>
             </a:fld>
@@ -2075,7 +2075,7 @@
           <p:cNvPr id="3" name="页脚占位符 2">
             <a:extLst>
               <a:ext uri="{FF2B5EF4-FFF2-40B4-BE49-F238E27FC236}">
-                <a16:creationId xmlns:a16="http://schemas.microsoft.com/office/drawing/2014/main" id="{CADEC39E-07A5-B13E-1C92-B99B1B2632EB}"/>
+                <a16:creationId xmlns:a16="http://schemas.microsoft.com/office/drawing/2014/main" id="{6965BF88-9436-CFE2-34E8-1E20FB19E40C}"/>
               </a:ext>
             </a:extLst>
           </p:cNvPr>
@@ -2100,7 +2100,7 @@
           <p:cNvPr id="4" name="灯片编号占位符 3">
             <a:extLst>
               <a:ext uri="{FF2B5EF4-FFF2-40B4-BE49-F238E27FC236}">
-                <a16:creationId xmlns:a16="http://schemas.microsoft.com/office/drawing/2014/main" id="{80FFD04B-8E2B-CE12-3D06-A03CB33B8C6F}"/>
+                <a16:creationId xmlns:a16="http://schemas.microsoft.com/office/drawing/2014/main" id="{6FD22DA0-C315-918F-BD35-BF8A261923D1}"/>
               </a:ext>
             </a:extLst>
           </p:cNvPr>
@@ -2116,7 +2116,7 @@
           <a:bodyPr/>
           <a:lstStyle/>
           <a:p>
-            <a:fld id="{5FCE42F9-9305-4122-AEA8-F2F897178AB8}" type="slidenum">
+            <a:fld id="{3E874100-5258-4A2F-89F2-D3F85E077811}" type="slidenum">
               <a:rPr lang="zh-CN" altLang="en-US" smtClean="0"/>
               <a:t>‹#›</a:t>
             </a:fld>
@@ -2127,7 +2127,7 @@
     </p:spTree>
     <p:extLst>
       <p:ext uri="{BB962C8B-B14F-4D97-AF65-F5344CB8AC3E}">
-        <p14:creationId xmlns:p14="http://schemas.microsoft.com/office/powerpoint/2010/main" val="2857130842"/>
+        <p14:creationId xmlns:p14="http://schemas.microsoft.com/office/powerpoint/2010/main" val="1902160494"/>
       </p:ext>
     </p:extLst>
   </p:cSld>
@@ -2159,7 +2159,7 @@
           <p:cNvPr id="2" name="标题 1">
             <a:extLst>
               <a:ext uri="{FF2B5EF4-FFF2-40B4-BE49-F238E27FC236}">
-                <a16:creationId xmlns:a16="http://schemas.microsoft.com/office/drawing/2014/main" id="{0E31DA47-BA08-830F-E408-C7843B8F617C}"/>
+                <a16:creationId xmlns:a16="http://schemas.microsoft.com/office/drawing/2014/main" id="{AB4091AF-F087-391F-0363-B5984B60F01E}"/>
               </a:ext>
             </a:extLst>
           </p:cNvPr>
@@ -2196,7 +2196,7 @@
           <p:cNvPr id="3" name="内容占位符 2">
             <a:extLst>
               <a:ext uri="{FF2B5EF4-FFF2-40B4-BE49-F238E27FC236}">
-                <a16:creationId xmlns:a16="http://schemas.microsoft.com/office/drawing/2014/main" id="{FD96F97A-A543-9A4A-7175-90DA8E44C546}"/>
+                <a16:creationId xmlns:a16="http://schemas.microsoft.com/office/drawing/2014/main" id="{927726A3-6DB8-DDEE-E925-03F60BE99621}"/>
               </a:ext>
             </a:extLst>
           </p:cNvPr>
@@ -2286,7 +2286,7 @@
           <p:cNvPr id="4" name="文本占位符 3">
             <a:extLst>
               <a:ext uri="{FF2B5EF4-FFF2-40B4-BE49-F238E27FC236}">
-                <a16:creationId xmlns:a16="http://schemas.microsoft.com/office/drawing/2014/main" id="{81398A34-A64B-D3D5-3EF7-BF514279D9AB}"/>
+                <a16:creationId xmlns:a16="http://schemas.microsoft.com/office/drawing/2014/main" id="{9F7A2234-B352-AC6B-8F18-0F50340C0939}"/>
               </a:ext>
             </a:extLst>
           </p:cNvPr>
@@ -2357,7 +2357,7 @@
           <p:cNvPr id="5" name="日期占位符 4">
             <a:extLst>
               <a:ext uri="{FF2B5EF4-FFF2-40B4-BE49-F238E27FC236}">
-                <a16:creationId xmlns:a16="http://schemas.microsoft.com/office/drawing/2014/main" id="{77141032-7E48-3A13-F728-64BBFD3FD90B}"/>
+                <a16:creationId xmlns:a16="http://schemas.microsoft.com/office/drawing/2014/main" id="{75A77410-5A76-525A-B046-42135D8AD250}"/>
               </a:ext>
             </a:extLst>
           </p:cNvPr>
@@ -2373,7 +2373,7 @@
           <a:bodyPr/>
           <a:lstStyle/>
           <a:p>
-            <a:fld id="{372FF25C-5AE1-472B-AD06-B065FB9B5450}" type="datetimeFigureOut">
+            <a:fld id="{727D6D34-F15F-4CC6-9936-E3344465F318}" type="datetimeFigureOut">
               <a:rPr lang="zh-CN" altLang="en-US" smtClean="0"/>
               <a:t>2024/3/10</a:t>
             </a:fld>
@@ -2386,7 +2386,7 @@
           <p:cNvPr id="6" name="页脚占位符 5">
             <a:extLst>
               <a:ext uri="{FF2B5EF4-FFF2-40B4-BE49-F238E27FC236}">
-                <a16:creationId xmlns:a16="http://schemas.microsoft.com/office/drawing/2014/main" id="{AAA1E058-D968-CFEB-75D9-501CA067840B}"/>
+                <a16:creationId xmlns:a16="http://schemas.microsoft.com/office/drawing/2014/main" id="{3B8C037C-C96D-329D-EEC4-46DBB7804ABC}"/>
               </a:ext>
             </a:extLst>
           </p:cNvPr>
@@ -2411,7 +2411,7 @@
           <p:cNvPr id="7" name="灯片编号占位符 6">
             <a:extLst>
               <a:ext uri="{FF2B5EF4-FFF2-40B4-BE49-F238E27FC236}">
-                <a16:creationId xmlns:a16="http://schemas.microsoft.com/office/drawing/2014/main" id="{33524132-4398-8ECD-6760-609B3B3C240C}"/>
+                <a16:creationId xmlns:a16="http://schemas.microsoft.com/office/drawing/2014/main" id="{5861F806-18B5-7FB4-1962-0857AB53AF69}"/>
               </a:ext>
             </a:extLst>
           </p:cNvPr>
@@ -2427,7 +2427,7 @@
           <a:bodyPr/>
           <a:lstStyle/>
           <a:p>
-            <a:fld id="{5FCE42F9-9305-4122-AEA8-F2F897178AB8}" type="slidenum">
+            <a:fld id="{3E874100-5258-4A2F-89F2-D3F85E077811}" type="slidenum">
               <a:rPr lang="zh-CN" altLang="en-US" smtClean="0"/>
               <a:t>‹#›</a:t>
             </a:fld>
@@ -2438,7 +2438,7 @@
     </p:spTree>
     <p:extLst>
       <p:ext uri="{BB962C8B-B14F-4D97-AF65-F5344CB8AC3E}">
-        <p14:creationId xmlns:p14="http://schemas.microsoft.com/office/powerpoint/2010/main" val="324841453"/>
+        <p14:creationId xmlns:p14="http://schemas.microsoft.com/office/powerpoint/2010/main" val="3870089851"/>
       </p:ext>
     </p:extLst>
   </p:cSld>
@@ -2470,7 +2470,7 @@
           <p:cNvPr id="2" name="标题 1">
             <a:extLst>
               <a:ext uri="{FF2B5EF4-FFF2-40B4-BE49-F238E27FC236}">
-                <a16:creationId xmlns:a16="http://schemas.microsoft.com/office/drawing/2014/main" id="{76A099B9-D768-85F6-89A0-AEB654728E77}"/>
+                <a16:creationId xmlns:a16="http://schemas.microsoft.com/office/drawing/2014/main" id="{93A838FA-E87E-5220-12A7-E19103B76C05}"/>
               </a:ext>
             </a:extLst>
           </p:cNvPr>
@@ -2507,7 +2507,7 @@
           <p:cNvPr id="3" name="图片占位符 2">
             <a:extLst>
               <a:ext uri="{FF2B5EF4-FFF2-40B4-BE49-F238E27FC236}">
-                <a16:creationId xmlns:a16="http://schemas.microsoft.com/office/drawing/2014/main" id="{1BB98B2C-95F4-69F1-3158-9AB495BC7781}"/>
+                <a16:creationId xmlns:a16="http://schemas.microsoft.com/office/drawing/2014/main" id="{E07F830D-2AC2-8FEB-D4D5-946445AF2FB8}"/>
               </a:ext>
             </a:extLst>
           </p:cNvPr>
@@ -2574,7 +2574,7 @@
           <p:cNvPr id="4" name="文本占位符 3">
             <a:extLst>
               <a:ext uri="{FF2B5EF4-FFF2-40B4-BE49-F238E27FC236}">
-                <a16:creationId xmlns:a16="http://schemas.microsoft.com/office/drawing/2014/main" id="{0968738F-0FA8-540D-30B2-873A282CFCA7}"/>
+                <a16:creationId xmlns:a16="http://schemas.microsoft.com/office/drawing/2014/main" id="{4E9979E2-981C-A5EB-CC55-7FD115107285}"/>
               </a:ext>
             </a:extLst>
           </p:cNvPr>
@@ -2645,7 +2645,7 @@
           <p:cNvPr id="5" name="日期占位符 4">
             <a:extLst>
               <a:ext uri="{FF2B5EF4-FFF2-40B4-BE49-F238E27FC236}">
-                <a16:creationId xmlns:a16="http://schemas.microsoft.com/office/drawing/2014/main" id="{032E7EC4-3266-037C-CEB4-DD560838C599}"/>
+                <a16:creationId xmlns:a16="http://schemas.microsoft.com/office/drawing/2014/main" id="{15DF0813-8531-18B5-17DE-4352A94C5819}"/>
               </a:ext>
             </a:extLst>
           </p:cNvPr>
@@ -2661,7 +2661,7 @@
           <a:bodyPr/>
           <a:lstStyle/>
           <a:p>
-            <a:fld id="{372FF25C-5AE1-472B-AD06-B065FB9B5450}" type="datetimeFigureOut">
+            <a:fld id="{727D6D34-F15F-4CC6-9936-E3344465F318}" type="datetimeFigureOut">
               <a:rPr lang="zh-CN" altLang="en-US" smtClean="0"/>
               <a:t>2024/3/10</a:t>
             </a:fld>
@@ -2674,7 +2674,7 @@
           <p:cNvPr id="6" name="页脚占位符 5">
             <a:extLst>
               <a:ext uri="{FF2B5EF4-FFF2-40B4-BE49-F238E27FC236}">
-                <a16:creationId xmlns:a16="http://schemas.microsoft.com/office/drawing/2014/main" id="{A076923C-C27B-36E8-2FB1-424EA44F3EF5}"/>
+                <a16:creationId xmlns:a16="http://schemas.microsoft.com/office/drawing/2014/main" id="{0457EE3F-8A6A-B122-7F09-6C6B0658DD41}"/>
               </a:ext>
             </a:extLst>
           </p:cNvPr>
@@ -2699,7 +2699,7 @@
           <p:cNvPr id="7" name="灯片编号占位符 6">
             <a:extLst>
               <a:ext uri="{FF2B5EF4-FFF2-40B4-BE49-F238E27FC236}">
-                <a16:creationId xmlns:a16="http://schemas.microsoft.com/office/drawing/2014/main" id="{7CDE5740-728A-BCAE-4964-BCCBB743F4C1}"/>
+                <a16:creationId xmlns:a16="http://schemas.microsoft.com/office/drawing/2014/main" id="{592C6388-3860-9973-D25E-9DAA4D519C49}"/>
               </a:ext>
             </a:extLst>
           </p:cNvPr>
@@ -2715,7 +2715,7 @@
           <a:bodyPr/>
           <a:lstStyle/>
           <a:p>
-            <a:fld id="{5FCE42F9-9305-4122-AEA8-F2F897178AB8}" type="slidenum">
+            <a:fld id="{3E874100-5258-4A2F-89F2-D3F85E077811}" type="slidenum">
               <a:rPr lang="zh-CN" altLang="en-US" smtClean="0"/>
               <a:t>‹#›</a:t>
             </a:fld>
@@ -2726,7 +2726,7 @@
     </p:spTree>
     <p:extLst>
       <p:ext uri="{BB962C8B-B14F-4D97-AF65-F5344CB8AC3E}">
-        <p14:creationId xmlns:p14="http://schemas.microsoft.com/office/powerpoint/2010/main" val="3443536287"/>
+        <p14:creationId xmlns:p14="http://schemas.microsoft.com/office/powerpoint/2010/main" val="90217533"/>
       </p:ext>
     </p:extLst>
   </p:cSld>
@@ -2763,7 +2763,7 @@
           <p:cNvPr id="2" name="标题占位符 1">
             <a:extLst>
               <a:ext uri="{FF2B5EF4-FFF2-40B4-BE49-F238E27FC236}">
-                <a16:creationId xmlns:a16="http://schemas.microsoft.com/office/drawing/2014/main" id="{B5FC60C8-3612-F7C8-8896-DB0D8E928A67}"/>
+                <a16:creationId xmlns:a16="http://schemas.microsoft.com/office/drawing/2014/main" id="{92C132ED-212F-2004-929D-5F2A0D57F7C0}"/>
               </a:ext>
             </a:extLst>
           </p:cNvPr>
@@ -2801,7 +2801,7 @@
           <p:cNvPr id="3" name="文本占位符 2">
             <a:extLst>
               <a:ext uri="{FF2B5EF4-FFF2-40B4-BE49-F238E27FC236}">
-                <a16:creationId xmlns:a16="http://schemas.microsoft.com/office/drawing/2014/main" id="{D625FAD9-27C5-FABD-8D8A-D986344A17B8}"/>
+                <a16:creationId xmlns:a16="http://schemas.microsoft.com/office/drawing/2014/main" id="{857BCB6C-F941-A7B0-0C95-A70DA5FEBBEA}"/>
               </a:ext>
             </a:extLst>
           </p:cNvPr>
@@ -2868,7 +2868,7 @@
           <p:cNvPr id="4" name="日期占位符 3">
             <a:extLst>
               <a:ext uri="{FF2B5EF4-FFF2-40B4-BE49-F238E27FC236}">
-                <a16:creationId xmlns:a16="http://schemas.microsoft.com/office/drawing/2014/main" id="{2BA5878F-67A3-03E5-E925-6266381D6FD7}"/>
+                <a16:creationId xmlns:a16="http://schemas.microsoft.com/office/drawing/2014/main" id="{288754E0-02F0-173A-0F4F-81A84FCF6768}"/>
               </a:ext>
             </a:extLst>
           </p:cNvPr>
@@ -2902,7 +2902,7 @@
             </a:lvl1pPr>
           </a:lstStyle>
           <a:p>
-            <a:fld id="{372FF25C-5AE1-472B-AD06-B065FB9B5450}" type="datetimeFigureOut">
+            <a:fld id="{727D6D34-F15F-4CC6-9936-E3344465F318}" type="datetimeFigureOut">
               <a:rPr lang="zh-CN" altLang="en-US" smtClean="0"/>
               <a:t>2024/3/10</a:t>
             </a:fld>
@@ -2915,7 +2915,7 @@
           <p:cNvPr id="5" name="页脚占位符 4">
             <a:extLst>
               <a:ext uri="{FF2B5EF4-FFF2-40B4-BE49-F238E27FC236}">
-                <a16:creationId xmlns:a16="http://schemas.microsoft.com/office/drawing/2014/main" id="{C96F9740-34E6-C569-A557-6E100C8A358B}"/>
+                <a16:creationId xmlns:a16="http://schemas.microsoft.com/office/drawing/2014/main" id="{8A2A84D4-49B3-B682-4404-8960A3EF503A}"/>
               </a:ext>
             </a:extLst>
           </p:cNvPr>
@@ -2958,7 +2958,7 @@
           <p:cNvPr id="6" name="灯片编号占位符 5">
             <a:extLst>
               <a:ext uri="{FF2B5EF4-FFF2-40B4-BE49-F238E27FC236}">
-                <a16:creationId xmlns:a16="http://schemas.microsoft.com/office/drawing/2014/main" id="{44C4A5CC-4E4F-0317-E53F-EA352AAFB55B}"/>
+                <a16:creationId xmlns:a16="http://schemas.microsoft.com/office/drawing/2014/main" id="{965782AD-687C-52A3-C41B-A7CD665F7013}"/>
               </a:ext>
             </a:extLst>
           </p:cNvPr>
@@ -2992,7 +2992,7 @@
             </a:lvl1pPr>
           </a:lstStyle>
           <a:p>
-            <a:fld id="{5FCE42F9-9305-4122-AEA8-F2F897178AB8}" type="slidenum">
+            <a:fld id="{3E874100-5258-4A2F-89F2-D3F85E077811}" type="slidenum">
               <a:rPr lang="zh-CN" altLang="en-US" smtClean="0"/>
               <a:t>‹#›</a:t>
             </a:fld>
@@ -3003,7 +3003,7 @@
     </p:spTree>
     <p:extLst>
       <p:ext uri="{BB962C8B-B14F-4D97-AF65-F5344CB8AC3E}">
-        <p14:creationId xmlns:p14="http://schemas.microsoft.com/office/powerpoint/2010/main" val="843141062"/>
+        <p14:creationId xmlns:p14="http://schemas.microsoft.com/office/powerpoint/2010/main" val="1317145751"/>
       </p:ext>
     </p:extLst>
   </p:cSld>
